--- a/项目笔记.pptx
+++ b/项目笔记.pptx
@@ -5,7 +5,7 @@
     <p:sldMasterId id="2147483648" r:id="rId1"/>
   </p:sldMasterIdLst>
   <p:notesMasterIdLst>
-    <p:notesMasterId r:id="rId23"/>
+    <p:notesMasterId r:id="rId26"/>
   </p:notesMasterIdLst>
   <p:sldIdLst>
     <p:sldId id="257" r:id="rId2"/>
@@ -29,6 +29,9 @@
     <p:sldId id="277" r:id="rId20"/>
     <p:sldId id="278" r:id="rId21"/>
     <p:sldId id="279" r:id="rId22"/>
+    <p:sldId id="280" r:id="rId23"/>
+    <p:sldId id="281" r:id="rId24"/>
+    <p:sldId id="282" r:id="rId25"/>
   </p:sldIdLst>
   <p:sldSz cx="12192000" cy="6858000"/>
   <p:notesSz cx="6858000" cy="9144000"/>
@@ -217,7 +220,7 @@
           <a:p>
             <a:fld id="{5AA0590B-AAAF-4019-AE9C-A987D6DD5DBC}" type="datetimeFigureOut">
               <a:rPr lang="zh-CN" altLang="en-US" smtClean="0"/>
-              <a:t>2024/8/16</a:t>
+              <a:t>2024/8/28</a:t>
             </a:fld>
             <a:endParaRPr lang="zh-CN" altLang="en-US"/>
           </a:p>
@@ -715,7 +718,7 @@
           <a:p>
             <a:fld id="{3B2CD200-7D0B-41AB-8963-18C223F09A98}" type="datetimeFigureOut">
               <a:rPr lang="zh-CN" altLang="en-US" smtClean="0"/>
-              <a:t>2024/8/16</a:t>
+              <a:t>2024/8/28</a:t>
             </a:fld>
             <a:endParaRPr lang="zh-CN" altLang="en-US"/>
           </a:p>
@@ -913,7 +916,7 @@
           <a:p>
             <a:fld id="{3B2CD200-7D0B-41AB-8963-18C223F09A98}" type="datetimeFigureOut">
               <a:rPr lang="zh-CN" altLang="en-US" smtClean="0"/>
-              <a:t>2024/8/16</a:t>
+              <a:t>2024/8/28</a:t>
             </a:fld>
             <a:endParaRPr lang="zh-CN" altLang="en-US"/>
           </a:p>
@@ -1121,7 +1124,7 @@
           <a:p>
             <a:fld id="{3B2CD200-7D0B-41AB-8963-18C223F09A98}" type="datetimeFigureOut">
               <a:rPr lang="zh-CN" altLang="en-US" smtClean="0"/>
-              <a:t>2024/8/16</a:t>
+              <a:t>2024/8/28</a:t>
             </a:fld>
             <a:endParaRPr lang="zh-CN" altLang="en-US"/>
           </a:p>
@@ -1319,7 +1322,7 @@
           <a:p>
             <a:fld id="{3B2CD200-7D0B-41AB-8963-18C223F09A98}" type="datetimeFigureOut">
               <a:rPr lang="zh-CN" altLang="en-US" smtClean="0"/>
-              <a:t>2024/8/16</a:t>
+              <a:t>2024/8/28</a:t>
             </a:fld>
             <a:endParaRPr lang="zh-CN" altLang="en-US"/>
           </a:p>
@@ -1594,7 +1597,7 @@
           <a:p>
             <a:fld id="{3B2CD200-7D0B-41AB-8963-18C223F09A98}" type="datetimeFigureOut">
               <a:rPr lang="zh-CN" altLang="en-US" smtClean="0"/>
-              <a:t>2024/8/16</a:t>
+              <a:t>2024/8/28</a:t>
             </a:fld>
             <a:endParaRPr lang="zh-CN" altLang="en-US"/>
           </a:p>
@@ -1859,7 +1862,7 @@
           <a:p>
             <a:fld id="{3B2CD200-7D0B-41AB-8963-18C223F09A98}" type="datetimeFigureOut">
               <a:rPr lang="zh-CN" altLang="en-US" smtClean="0"/>
-              <a:t>2024/8/16</a:t>
+              <a:t>2024/8/28</a:t>
             </a:fld>
             <a:endParaRPr lang="zh-CN" altLang="en-US"/>
           </a:p>
@@ -2271,7 +2274,7 @@
           <a:p>
             <a:fld id="{3B2CD200-7D0B-41AB-8963-18C223F09A98}" type="datetimeFigureOut">
               <a:rPr lang="zh-CN" altLang="en-US" smtClean="0"/>
-              <a:t>2024/8/16</a:t>
+              <a:t>2024/8/28</a:t>
             </a:fld>
             <a:endParaRPr lang="zh-CN" altLang="en-US"/>
           </a:p>
@@ -2412,7 +2415,7 @@
           <a:p>
             <a:fld id="{3B2CD200-7D0B-41AB-8963-18C223F09A98}" type="datetimeFigureOut">
               <a:rPr lang="zh-CN" altLang="en-US" smtClean="0"/>
-              <a:t>2024/8/16</a:t>
+              <a:t>2024/8/28</a:t>
             </a:fld>
             <a:endParaRPr lang="zh-CN" altLang="en-US"/>
           </a:p>
@@ -2525,7 +2528,7 @@
           <a:p>
             <a:fld id="{3B2CD200-7D0B-41AB-8963-18C223F09A98}" type="datetimeFigureOut">
               <a:rPr lang="zh-CN" altLang="en-US" smtClean="0"/>
-              <a:t>2024/8/16</a:t>
+              <a:t>2024/8/28</a:t>
             </a:fld>
             <a:endParaRPr lang="zh-CN" altLang="en-US"/>
           </a:p>
@@ -2836,7 +2839,7 @@
           <a:p>
             <a:fld id="{3B2CD200-7D0B-41AB-8963-18C223F09A98}" type="datetimeFigureOut">
               <a:rPr lang="zh-CN" altLang="en-US" smtClean="0"/>
-              <a:t>2024/8/16</a:t>
+              <a:t>2024/8/28</a:t>
             </a:fld>
             <a:endParaRPr lang="zh-CN" altLang="en-US"/>
           </a:p>
@@ -3124,7 +3127,7 @@
           <a:p>
             <a:fld id="{3B2CD200-7D0B-41AB-8963-18C223F09A98}" type="datetimeFigureOut">
               <a:rPr lang="zh-CN" altLang="en-US" smtClean="0"/>
-              <a:t>2024/8/16</a:t>
+              <a:t>2024/8/28</a:t>
             </a:fld>
             <a:endParaRPr lang="zh-CN" altLang="en-US"/>
           </a:p>
@@ -3365,7 +3368,7 @@
           <a:p>
             <a:fld id="{3B2CD200-7D0B-41AB-8963-18C223F09A98}" type="datetimeFigureOut">
               <a:rPr lang="zh-CN" altLang="en-US" smtClean="0"/>
-              <a:t>2024/8/16</a:t>
+              <a:t>2024/8/28</a:t>
             </a:fld>
             <a:endParaRPr lang="zh-CN" altLang="en-US"/>
           </a:p>
@@ -6098,6 +6101,216 @@
     <p:extLst>
       <p:ext uri="{BB962C8B-B14F-4D97-AF65-F5344CB8AC3E}">
         <p14:creationId xmlns:p14="http://schemas.microsoft.com/office/powerpoint/2010/main" val="759585553"/>
+      </p:ext>
+    </p:extLst>
+  </p:cSld>
+  <p:clrMapOvr>
+    <a:masterClrMapping/>
+  </p:clrMapOvr>
+</p:sld>
+</file>
+
+<file path=ppt/slides/slide22.xml><?xml version="1.0" encoding="utf-8"?>
+<p:sld xmlns:a="http://schemas.openxmlformats.org/drawingml/2006/main" xmlns:r="http://schemas.openxmlformats.org/officeDocument/2006/relationships" xmlns:p="http://schemas.openxmlformats.org/presentationml/2006/main">
+  <p:cSld>
+    <p:spTree>
+      <p:nvGrpSpPr>
+        <p:cNvPr id="1" name=""/>
+        <p:cNvGrpSpPr/>
+        <p:nvPr/>
+      </p:nvGrpSpPr>
+      <p:grpSpPr>
+        <a:xfrm>
+          <a:off x="0" y="0"/>
+          <a:ext cx="0" cy="0"/>
+          <a:chOff x="0" y="0"/>
+          <a:chExt cx="0" cy="0"/>
+        </a:xfrm>
+      </p:grpSpPr>
+      <p:pic>
+        <p:nvPicPr>
+          <p:cNvPr id="3" name="图片 2">
+            <a:extLst>
+              <a:ext uri="{FF2B5EF4-FFF2-40B4-BE49-F238E27FC236}">
+                <a16:creationId xmlns:a16="http://schemas.microsoft.com/office/drawing/2014/main" id="{D055E3BD-EAB5-DE03-FA99-790CD74F4470}"/>
+              </a:ext>
+            </a:extLst>
+          </p:cNvPr>
+          <p:cNvPicPr>
+            <a:picLocks noChangeAspect="1"/>
+          </p:cNvPicPr>
+          <p:nvPr/>
+        </p:nvPicPr>
+        <p:blipFill>
+          <a:blip r:embed="rId2"/>
+          <a:stretch>
+            <a:fillRect/>
+          </a:stretch>
+        </p:blipFill>
+        <p:spPr>
+          <a:xfrm>
+            <a:off x="3876675" y="585787"/>
+            <a:ext cx="4438650" cy="5686425"/>
+          </a:xfrm>
+          <a:prstGeom prst="rect">
+            <a:avLst/>
+          </a:prstGeom>
+        </p:spPr>
+      </p:pic>
+    </p:spTree>
+    <p:extLst>
+      <p:ext uri="{BB962C8B-B14F-4D97-AF65-F5344CB8AC3E}">
+        <p14:creationId xmlns:p14="http://schemas.microsoft.com/office/powerpoint/2010/main" val="3580552424"/>
+      </p:ext>
+    </p:extLst>
+  </p:cSld>
+  <p:clrMapOvr>
+    <a:masterClrMapping/>
+  </p:clrMapOvr>
+</p:sld>
+</file>
+
+<file path=ppt/slides/slide23.xml><?xml version="1.0" encoding="utf-8"?>
+<p:sld xmlns:a="http://schemas.openxmlformats.org/drawingml/2006/main" xmlns:r="http://schemas.openxmlformats.org/officeDocument/2006/relationships" xmlns:p="http://schemas.openxmlformats.org/presentationml/2006/main">
+  <p:cSld>
+    <p:spTree>
+      <p:nvGrpSpPr>
+        <p:cNvPr id="1" name=""/>
+        <p:cNvGrpSpPr/>
+        <p:nvPr/>
+      </p:nvGrpSpPr>
+      <p:grpSpPr>
+        <a:xfrm>
+          <a:off x="0" y="0"/>
+          <a:ext cx="0" cy="0"/>
+          <a:chOff x="0" y="0"/>
+          <a:chExt cx="0" cy="0"/>
+        </a:xfrm>
+      </p:grpSpPr>
+      <p:pic>
+        <p:nvPicPr>
+          <p:cNvPr id="3" name="图片 2">
+            <a:extLst>
+              <a:ext uri="{FF2B5EF4-FFF2-40B4-BE49-F238E27FC236}">
+                <a16:creationId xmlns:a16="http://schemas.microsoft.com/office/drawing/2014/main" id="{07BDA7D2-929E-A128-210C-8DF9B7610127}"/>
+              </a:ext>
+            </a:extLst>
+          </p:cNvPr>
+          <p:cNvPicPr>
+            <a:picLocks noChangeAspect="1"/>
+          </p:cNvPicPr>
+          <p:nvPr/>
+        </p:nvPicPr>
+        <p:blipFill>
+          <a:blip r:embed="rId2"/>
+          <a:stretch>
+            <a:fillRect/>
+          </a:stretch>
+        </p:blipFill>
+        <p:spPr>
+          <a:xfrm>
+            <a:off x="0" y="4004301"/>
+            <a:ext cx="12192000" cy="1375781"/>
+          </a:xfrm>
+          <a:prstGeom prst="rect">
+            <a:avLst/>
+          </a:prstGeom>
+        </p:spPr>
+      </p:pic>
+      <p:pic>
+        <p:nvPicPr>
+          <p:cNvPr id="4" name="图片 3">
+            <a:extLst>
+              <a:ext uri="{FF2B5EF4-FFF2-40B4-BE49-F238E27FC236}">
+                <a16:creationId xmlns:a16="http://schemas.microsoft.com/office/drawing/2014/main" id="{0B9D9715-69A3-0189-96A2-E531CF04318A}"/>
+              </a:ext>
+            </a:extLst>
+          </p:cNvPr>
+          <p:cNvPicPr>
+            <a:picLocks noChangeAspect="1"/>
+          </p:cNvPicPr>
+          <p:nvPr/>
+        </p:nvPicPr>
+        <p:blipFill>
+          <a:blip r:embed="rId3"/>
+          <a:stretch>
+            <a:fillRect/>
+          </a:stretch>
+        </p:blipFill>
+        <p:spPr>
+          <a:xfrm>
+            <a:off x="0" y="475442"/>
+            <a:ext cx="12192000" cy="1872443"/>
+          </a:xfrm>
+          <a:prstGeom prst="rect">
+            <a:avLst/>
+          </a:prstGeom>
+        </p:spPr>
+      </p:pic>
+    </p:spTree>
+    <p:extLst>
+      <p:ext uri="{BB962C8B-B14F-4D97-AF65-F5344CB8AC3E}">
+        <p14:creationId xmlns:p14="http://schemas.microsoft.com/office/powerpoint/2010/main" val="2887101465"/>
+      </p:ext>
+    </p:extLst>
+  </p:cSld>
+  <p:clrMapOvr>
+    <a:masterClrMapping/>
+  </p:clrMapOvr>
+</p:sld>
+</file>
+
+<file path=ppt/slides/slide24.xml><?xml version="1.0" encoding="utf-8"?>
+<p:sld xmlns:a="http://schemas.openxmlformats.org/drawingml/2006/main" xmlns:r="http://schemas.openxmlformats.org/officeDocument/2006/relationships" xmlns:p="http://schemas.openxmlformats.org/presentationml/2006/main">
+  <p:cSld>
+    <p:spTree>
+      <p:nvGrpSpPr>
+        <p:cNvPr id="1" name=""/>
+        <p:cNvGrpSpPr/>
+        <p:nvPr/>
+      </p:nvGrpSpPr>
+      <p:grpSpPr>
+        <a:xfrm>
+          <a:off x="0" y="0"/>
+          <a:ext cx="0" cy="0"/>
+          <a:chOff x="0" y="0"/>
+          <a:chExt cx="0" cy="0"/>
+        </a:xfrm>
+      </p:grpSpPr>
+      <p:pic>
+        <p:nvPicPr>
+          <p:cNvPr id="3" name="图片 2">
+            <a:extLst>
+              <a:ext uri="{FF2B5EF4-FFF2-40B4-BE49-F238E27FC236}">
+                <a16:creationId xmlns:a16="http://schemas.microsoft.com/office/drawing/2014/main" id="{D2DE283B-449C-8BD3-3C9D-730F0534CCCC}"/>
+              </a:ext>
+            </a:extLst>
+          </p:cNvPr>
+          <p:cNvPicPr>
+            <a:picLocks noChangeAspect="1"/>
+          </p:cNvPicPr>
+          <p:nvPr/>
+        </p:nvPicPr>
+        <p:blipFill>
+          <a:blip r:embed="rId2"/>
+          <a:stretch>
+            <a:fillRect/>
+          </a:stretch>
+        </p:blipFill>
+        <p:spPr>
+          <a:xfrm>
+            <a:off x="4095750" y="823912"/>
+            <a:ext cx="4000500" cy="5210175"/>
+          </a:xfrm>
+          <a:prstGeom prst="rect">
+            <a:avLst/>
+          </a:prstGeom>
+        </p:spPr>
+      </p:pic>
+    </p:spTree>
+    <p:extLst>
+      <p:ext uri="{BB962C8B-B14F-4D97-AF65-F5344CB8AC3E}">
+        <p14:creationId xmlns:p14="http://schemas.microsoft.com/office/powerpoint/2010/main" val="2859646353"/>
       </p:ext>
     </p:extLst>
   </p:cSld>
